--- a/FrontEnd/TypeScriptSlides/2_TypeScriptConfig.pptx
+++ b/FrontEnd/TypeScriptSlides/2_TypeScriptConfig.pptx
@@ -2,17 +2,17 @@
 <file path=ppt/presentation.xml><?xml version="1.0" encoding="utf-8"?>
 <p:presentation xmlns:a="http://schemas.openxmlformats.org/drawingml/2006/main" xmlns:r="http://schemas.openxmlformats.org/officeDocument/2006/relationships" xmlns:p="http://schemas.openxmlformats.org/presentationml/2006/main" saveSubsetFonts="1">
   <p:sldMasterIdLst>
-    <p:sldMasterId id="2147483684" r:id="rId1"/>
+    <p:sldMasterId id="2147483684" r:id="rId4"/>
   </p:sldMasterIdLst>
   <p:sldIdLst>
-    <p:sldId id="256" r:id="rId2"/>
-    <p:sldId id="257" r:id="rId3"/>
-    <p:sldId id="258" r:id="rId4"/>
-    <p:sldId id="259" r:id="rId5"/>
-    <p:sldId id="260" r:id="rId6"/>
-    <p:sldId id="261" r:id="rId7"/>
-    <p:sldId id="263" r:id="rId8"/>
-    <p:sldId id="262" r:id="rId9"/>
+    <p:sldId id="256" r:id="rId5"/>
+    <p:sldId id="257" r:id="rId6"/>
+    <p:sldId id="258" r:id="rId7"/>
+    <p:sldId id="259" r:id="rId8"/>
+    <p:sldId id="260" r:id="rId9"/>
+    <p:sldId id="261" r:id="rId10"/>
+    <p:sldId id="263" r:id="rId11"/>
+    <p:sldId id="262" r:id="rId12"/>
   </p:sldIdLst>
   <p:sldSz cx="12192000" cy="6858000"/>
   <p:notesSz cx="6858000" cy="9144000"/>
@@ -117,14 +117,6 @@
     </p:ext>
   </p:extLst>
 </p:presentation>
-</file>
-
-<file path=ppt/revisionInfo.xml><?xml version="1.0" encoding="utf-8"?>
-<p1510:revInfo xmlns:a="http://schemas.openxmlformats.org/drawingml/2006/main" xmlns:r="http://schemas.openxmlformats.org/officeDocument/2006/relationships" xmlns:p1510="http://schemas.microsoft.com/office/powerpoint/2015/10/main">
-  <p1510:revLst>
-    <p1510:client id="{09EC7E3B-D9E2-2504-9463-F5EA0EE713A4}" v="1809" dt="2024-07-23T14:58:51.417"/>
-  </p1510:revLst>
-</p1510:revInfo>
 </file>
 
 <file path=ppt/changesInfos/changesInfo1.xml><?xml version="1.0" encoding="utf-8"?>
@@ -854,7 +846,7 @@
             <a:fld id="{B61BEF0D-F0BB-DE4B-95CE-6DB70DBA9567}" type="datetimeFigureOut">
               <a:rPr lang="en-US" dirty="0"/>
               <a:pPr/>
-              <a:t>7/23/2024</a:t>
+              <a:t>8/16/2024</a:t>
             </a:fld>
             <a:endParaRPr lang="en-US" dirty="0"/>
           </a:p>
@@ -1116,7 +1108,7 @@
             <a:fld id="{B61BEF0D-F0BB-DE4B-95CE-6DB70DBA9567}" type="datetimeFigureOut">
               <a:rPr lang="en-US" dirty="0"/>
               <a:pPr/>
-              <a:t>7/23/2024</a:t>
+              <a:t>8/16/2024</a:t>
             </a:fld>
             <a:endParaRPr lang="en-US" dirty="0"/>
           </a:p>
@@ -1351,7 +1343,7 @@
             <a:fld id="{B61BEF0D-F0BB-DE4B-95CE-6DB70DBA9567}" type="datetimeFigureOut">
               <a:rPr lang="en-US" dirty="0"/>
               <a:pPr/>
-              <a:t>7/23/2024</a:t>
+              <a:t>8/16/2024</a:t>
             </a:fld>
             <a:endParaRPr lang="en-US" dirty="0"/>
           </a:p>
@@ -1591,7 +1583,7 @@
             <a:fld id="{B61BEF0D-F0BB-DE4B-95CE-6DB70DBA9567}" type="datetimeFigureOut">
               <a:rPr lang="en-US" dirty="0"/>
               <a:pPr/>
-              <a:t>7/23/2024</a:t>
+              <a:t>8/16/2024</a:t>
             </a:fld>
             <a:endParaRPr lang="en-US" dirty="0"/>
           </a:p>
@@ -1899,7 +1891,7 @@
             <a:fld id="{B61BEF0D-F0BB-DE4B-95CE-6DB70DBA9567}" type="datetimeFigureOut">
               <a:rPr lang="en-US" dirty="0"/>
               <a:pPr/>
-              <a:t>7/23/2024</a:t>
+              <a:t>8/16/2024</a:t>
             </a:fld>
             <a:endParaRPr lang="en-US" dirty="0"/>
           </a:p>
@@ -2200,7 +2192,7 @@
             <a:fld id="{B61BEF0D-F0BB-DE4B-95CE-6DB70DBA9567}" type="datetimeFigureOut">
               <a:rPr lang="en-US" dirty="0"/>
               <a:pPr/>
-              <a:t>7/23/2024</a:t>
+              <a:t>8/16/2024</a:t>
             </a:fld>
             <a:endParaRPr lang="en-US" dirty="0"/>
           </a:p>
@@ -2621,7 +2613,7 @@
             <a:fld id="{B61BEF0D-F0BB-DE4B-95CE-6DB70DBA9567}" type="datetimeFigureOut">
               <a:rPr lang="en-US" dirty="0"/>
               <a:pPr/>
-              <a:t>7/23/2024</a:t>
+              <a:t>8/16/2024</a:t>
             </a:fld>
             <a:endParaRPr lang="en-US" dirty="0"/>
           </a:p>
@@ -2718,7 +2710,7 @@
             <a:fld id="{B61BEF0D-F0BB-DE4B-95CE-6DB70DBA9567}" type="datetimeFigureOut">
               <a:rPr lang="en-US" dirty="0"/>
               <a:pPr/>
-              <a:t>7/23/2024</a:t>
+              <a:t>8/16/2024</a:t>
             </a:fld>
             <a:endParaRPr lang="en-US" dirty="0"/>
           </a:p>
@@ -2881,7 +2873,7 @@
             <a:fld id="{B61BEF0D-F0BB-DE4B-95CE-6DB70DBA9567}" type="datetimeFigureOut">
               <a:rPr lang="en-US" dirty="0"/>
               <a:pPr/>
-              <a:t>7/23/2024</a:t>
+              <a:t>8/16/2024</a:t>
             </a:fld>
             <a:endParaRPr lang="en-US" dirty="0"/>
           </a:p>
@@ -3259,7 +3251,7 @@
             <a:fld id="{B61BEF0D-F0BB-DE4B-95CE-6DB70DBA9567}" type="datetimeFigureOut">
               <a:rPr lang="en-US" dirty="0"/>
               <a:pPr/>
-              <a:t>7/23/2024</a:t>
+              <a:t>8/16/2024</a:t>
             </a:fld>
             <a:endParaRPr lang="en-US" dirty="0"/>
           </a:p>
@@ -3545,7 +3537,7 @@
             <a:fld id="{B61BEF0D-F0BB-DE4B-95CE-6DB70DBA9567}" type="datetimeFigureOut">
               <a:rPr lang="en-US" dirty="0"/>
               <a:pPr/>
-              <a:t>7/23/2024</a:t>
+              <a:t>8/16/2024</a:t>
             </a:fld>
             <a:endParaRPr lang="en-US" dirty="0"/>
           </a:p>
@@ -3784,7 +3776,7 @@
             <a:fld id="{B61BEF0D-F0BB-DE4B-95CE-6DB70DBA9567}" type="datetimeFigureOut">
               <a:rPr lang="en-US" dirty="0"/>
               <a:pPr/>
-              <a:t>7/23/2024</a:t>
+              <a:t>8/16/2024</a:t>
             </a:fld>
             <a:endParaRPr lang="en-US" dirty="0"/>
           </a:p>
@@ -5667,6 +5659,15 @@
 </file>
 
 <file path=customXml/item1.xml><?xml version="1.0" encoding="utf-8"?>
+<?mso-contentType ?>
+<FormTemplates xmlns="http://schemas.microsoft.com/sharepoint/v3/contenttype/forms">
+  <Display>DocumentLibraryForm</Display>
+  <Edit>DocumentLibraryForm</Edit>
+  <New>DocumentLibraryForm</New>
+</FormTemplates>
+</file>
+
+<file path=customXml/item2.xml><?xml version="1.0" encoding="utf-8"?>
 <ct:contentTypeSchema xmlns:ct="http://schemas.microsoft.com/office/2006/metadata/contentType" xmlns:ma="http://schemas.microsoft.com/office/2006/metadata/properties/metaAttributes" ct:_="" ma:_="" ma:contentTypeName="Document" ma:contentTypeID="0x010100A9440B18BBE71B4AA5DB97E225A1673E" ma:contentTypeVersion="4" ma:contentTypeDescription="Create a new document." ma:contentTypeScope="" ma:versionID="2c8bc9cd5336c58f2d426a3a308cb3b5">
   <xsd:schema xmlns:xsd="http://www.w3.org/2001/XMLSchema" xmlns:xs="http://www.w3.org/2001/XMLSchema" xmlns:p="http://schemas.microsoft.com/office/2006/metadata/properties" xmlns:ns2="c4e75a01-3f99-42a4-b38c-013e22ff34a7" targetNamespace="http://schemas.microsoft.com/office/2006/metadata/properties" ma:root="true" ma:fieldsID="b956668bd177116216fbbc4c2a6786cf" ns2:_="">
     <xsd:import namespace="c4e75a01-3f99-42a4-b38c-013e22ff34a7"/>
@@ -5810,15 +5811,6 @@
 </ct:contentTypeSchema>
 </file>
 
-<file path=customXml/item2.xml><?xml version="1.0" encoding="utf-8"?>
-<?mso-contentType ?>
-<FormTemplates xmlns="http://schemas.microsoft.com/sharepoint/v3/contenttype/forms">
-  <Display>DocumentLibraryForm</Display>
-  <Edit>DocumentLibraryForm</Edit>
-  <New>DocumentLibraryForm</New>
-</FormTemplates>
-</file>
-
 <file path=customXml/item3.xml><?xml version="1.0" encoding="utf-8"?>
 <p:properties xmlns:p="http://schemas.microsoft.com/office/2006/metadata/properties" xmlns:xsi="http://www.w3.org/2001/XMLSchema-instance" xmlns:pc="http://schemas.microsoft.com/office/infopath/2007/PartnerControls">
   <documentManagement/>
@@ -5826,13 +5818,36 @@
 </file>
 
 <file path=customXml/itemProps1.xml><?xml version="1.0" encoding="utf-8"?>
-<ds:datastoreItem xmlns:ds="http://schemas.openxmlformats.org/officeDocument/2006/customXml" ds:itemID="{441BD4C1-375F-4649-B9A1-17E26F255B55}"/>
+<ds:datastoreItem xmlns:ds="http://schemas.openxmlformats.org/officeDocument/2006/customXml" ds:itemID="{262FA71C-2225-4F2D-9789-DCF98B978521}">
+  <ds:schemaRefs>
+    <ds:schemaRef ds:uri="http://schemas.microsoft.com/sharepoint/v3/contenttype/forms"/>
+  </ds:schemaRefs>
+</ds:datastoreItem>
 </file>
 
 <file path=customXml/itemProps2.xml><?xml version="1.0" encoding="utf-8"?>
-<ds:datastoreItem xmlns:ds="http://schemas.openxmlformats.org/officeDocument/2006/customXml" ds:itemID="{262FA71C-2225-4F2D-9789-DCF98B978521}"/>
+<ds:datastoreItem xmlns:ds="http://schemas.openxmlformats.org/officeDocument/2006/customXml" ds:itemID="{441BD4C1-375F-4649-B9A1-17E26F255B55}">
+  <ds:schemaRefs>
+    <ds:schemaRef ds:uri="http://schemas.microsoft.com/office/2006/metadata/contentType"/>
+    <ds:schemaRef ds:uri="http://schemas.microsoft.com/office/2006/metadata/properties/metaAttributes"/>
+    <ds:schemaRef ds:uri="http://www.w3.org/2001/XMLSchema"/>
+    <ds:schemaRef ds:uri="http://schemas.microsoft.com/office/2006/metadata/properties"/>
+    <ds:schemaRef ds:uri="c4e75a01-3f99-42a4-b38c-013e22ff34a7"/>
+    <ds:schemaRef ds:uri="http://schemas.microsoft.com/office/2006/documentManagement/types"/>
+    <ds:schemaRef ds:uri="http://schemas.microsoft.com/office/infopath/2007/PartnerControls"/>
+    <ds:schemaRef ds:uri="http://schemas.openxmlformats.org/package/2006/metadata/core-properties"/>
+    <ds:schemaRef ds:uri="http://purl.org/dc/elements/1.1/"/>
+    <ds:schemaRef ds:uri="http://purl.org/dc/terms/"/>
+    <ds:schemaRef ds:uri="http://schemas.microsoft.com/internal/obd"/>
+  </ds:schemaRefs>
+</ds:datastoreItem>
 </file>
 
 <file path=customXml/itemProps3.xml><?xml version="1.0" encoding="utf-8"?>
-<ds:datastoreItem xmlns:ds="http://schemas.openxmlformats.org/officeDocument/2006/customXml" ds:itemID="{C5AEC70E-CCB6-465D-98EF-5F60383599E4}"/>
+<ds:datastoreItem xmlns:ds="http://schemas.openxmlformats.org/officeDocument/2006/customXml" ds:itemID="{C5AEC70E-CCB6-465D-98EF-5F60383599E4}">
+  <ds:schemaRefs>
+    <ds:schemaRef ds:uri="http://schemas.microsoft.com/office/2006/metadata/properties"/>
+    <ds:schemaRef ds:uri="http://schemas.microsoft.com/office/infopath/2007/PartnerControls"/>
+  </ds:schemaRefs>
+</ds:datastoreItem>
 </file>